--- a/Mocks.pptx
+++ b/Mocks.pptx
@@ -6,7 +6,7 @@
     <p:sldMasterId id="2147483704" r:id="rId2"/>
   </p:sldMasterIdLst>
   <p:notesMasterIdLst>
-    <p:notesMasterId r:id="rId17"/>
+    <p:notesMasterId r:id="rId18"/>
   </p:notesMasterIdLst>
   <p:sldIdLst>
     <p:sldId id="329" r:id="rId3"/>
@@ -20,9 +20,10 @@
     <p:sldId id="328" r:id="rId11"/>
     <p:sldId id="333" r:id="rId12"/>
     <p:sldId id="332" r:id="rId13"/>
-    <p:sldId id="331" r:id="rId14"/>
-    <p:sldId id="324" r:id="rId15"/>
-    <p:sldId id="334" r:id="rId16"/>
+    <p:sldId id="335" r:id="rId14"/>
+    <p:sldId id="331" r:id="rId15"/>
+    <p:sldId id="324" r:id="rId16"/>
+    <p:sldId id="334" r:id="rId17"/>
   </p:sldIdLst>
   <p:sldSz cx="12192000" cy="6858000"/>
   <p:notesSz cx="6858000" cy="9144000"/>
@@ -153,6 +154,7 @@
         </p14:section>
         <p14:section name="State vs Behavior" id="{EDCCF58C-FB14-4E84-A17A-3642FFB8D3E3}">
           <p14:sldIdLst>
+            <p14:sldId id="335"/>
             <p14:sldId id="331"/>
             <p14:sldId id="324"/>
             <p14:sldId id="334"/>
@@ -7805,7 +7807,7 @@
           <a:p>
             <a:fld id="{DC348DFF-10E5-4AE9-8016-9910A89BCDEE}" type="slidenum">
               <a:rPr lang="ru-RU" smtClean="0"/>
-              <a:t>12</a:t>
+              <a:t>13</a:t>
             </a:fld>
             <a:endParaRPr lang="ru-RU"/>
           </a:p>
@@ -12732,152 +12734,7 @@
       </p:grpSpPr>
       <p:sp>
         <p:nvSpPr>
-          <p:cNvPr id="5" name="Объект 4"/>
-          <p:cNvSpPr>
-            <a:spLocks noGrp="1"/>
-          </p:cNvSpPr>
-          <p:nvPr>
-            <p:ph sz="quarter" idx="13"/>
-          </p:nvPr>
-        </p:nvSpPr>
-        <p:spPr/>
-        <p:txBody>
-          <a:bodyPr>
-            <a:normAutofit/>
-          </a:bodyPr>
-          <a:lstStyle/>
-          <a:p>
-            <a:r>
-              <a:rPr lang="en-US" b="1" dirty="0"/>
-              <a:t>Test Double</a:t>
-            </a:r>
-            <a:r>
-              <a:rPr lang="ru-RU" b="1" dirty="0"/>
-              <a:t> (</a:t>
-            </a:r>
-            <a:r>
-              <a:rPr lang="en-US" b="1" dirty="0"/>
-              <a:t>by </a:t>
-            </a:r>
-            <a:r>
-              <a:rPr lang="en-US" b="1" dirty="0" err="1"/>
-              <a:t>Meszaros</a:t>
-            </a:r>
-            <a:r>
-              <a:rPr lang="en-US" b="1" dirty="0"/>
-              <a:t>)</a:t>
-            </a:r>
-            <a:endParaRPr lang="en-US" sz="2800" b="1" dirty="0"/>
-          </a:p>
-          <a:p>
-            <a:pPr marL="457200" indent="-457200" fontAlgn="ctr">
-              <a:buFont typeface="Arial" panose="020B0604020202020204" pitchFamily="34" charset="0"/>
-              <a:buChar char="•"/>
-            </a:pPr>
-            <a:r>
-              <a:rPr lang="en-US" sz="2800" dirty="0">
-                <a:solidFill>
-                  <a:schemeClr val="accent1"/>
-                </a:solidFill>
-              </a:rPr>
-              <a:t>Dummy</a:t>
-            </a:r>
-            <a:r>
-              <a:rPr lang="en-US" sz="2800" dirty="0"/>
-              <a:t> - </a:t>
-            </a:r>
-            <a:r>
-              <a:rPr lang="ru-RU" sz="2800" dirty="0"/>
-              <a:t>нужны, чтобы передать их по ссылке</a:t>
-            </a:r>
-            <a:endParaRPr lang="en-US" sz="2800" dirty="0"/>
-          </a:p>
-          <a:p>
-            <a:pPr marL="457200" indent="-457200" fontAlgn="ctr">
-              <a:buFont typeface="Arial" panose="020B0604020202020204" pitchFamily="34" charset="0"/>
-              <a:buChar char="•"/>
-            </a:pPr>
-            <a:r>
-              <a:rPr lang="en-US" sz="2800" dirty="0">
-                <a:solidFill>
-                  <a:schemeClr val="accent1"/>
-                </a:solidFill>
-              </a:rPr>
-              <a:t>Fake</a:t>
-            </a:r>
-            <a:r>
-              <a:rPr lang="en-US" sz="2800" dirty="0"/>
-              <a:t> – </a:t>
-            </a:r>
-            <a:r>
-              <a:rPr lang="ru-RU" sz="2800" dirty="0"/>
-              <a:t>альтернативная упрощенная реализация</a:t>
-            </a:r>
-            <a:endParaRPr lang="en-US" sz="2800" dirty="0"/>
-          </a:p>
-          <a:p>
-            <a:pPr marL="457200" indent="-457200" fontAlgn="ctr">
-              <a:buFont typeface="Arial" panose="020B0604020202020204" pitchFamily="34" charset="0"/>
-              <a:buChar char="•"/>
-            </a:pPr>
-            <a:r>
-              <a:rPr lang="en-US" sz="2800" dirty="0">
-                <a:solidFill>
-                  <a:schemeClr val="accent1"/>
-                </a:solidFill>
-              </a:rPr>
-              <a:t>Stub</a:t>
-            </a:r>
-            <a:r>
-              <a:rPr lang="en-US" sz="2800" dirty="0"/>
-              <a:t> - </a:t>
-            </a:r>
-            <a:r>
-              <a:rPr lang="ru-RU" sz="2800" dirty="0"/>
-              <a:t>простой объект с состоянием, позволяют делать </a:t>
-            </a:r>
-            <a:r>
-              <a:rPr lang="en-US" sz="2800" dirty="0"/>
-              <a:t>state testing</a:t>
-            </a:r>
-          </a:p>
-          <a:p>
-            <a:pPr marL="457200" indent="-457200" fontAlgn="ctr">
-              <a:buFont typeface="Arial" panose="020B0604020202020204" pitchFamily="34" charset="0"/>
-              <a:buChar char="•"/>
-            </a:pPr>
-            <a:r>
-              <a:rPr lang="en-US" sz="2800" dirty="0">
-                <a:solidFill>
-                  <a:schemeClr val="accent1"/>
-                </a:solidFill>
-              </a:rPr>
-              <a:t>Mock</a:t>
-            </a:r>
-            <a:r>
-              <a:rPr lang="en-US" sz="2800" dirty="0"/>
-              <a:t> - </a:t>
-            </a:r>
-            <a:r>
-              <a:rPr lang="ru-RU" sz="2800" dirty="0"/>
-              <a:t>объекты с конфигурируемыми </a:t>
-            </a:r>
-            <a:r>
-              <a:rPr lang="en-US" sz="2800" dirty="0"/>
-              <a:t>expectations</a:t>
-            </a:r>
-          </a:p>
-          <a:p>
-            <a:pPr marL="0" indent="0">
-              <a:buNone/>
-            </a:pPr>
-            <a:endParaRPr lang="ru-RU" sz="2000" dirty="0"/>
-          </a:p>
-        </p:txBody>
-      </p:sp>
-      <p:sp>
-        <p:nvSpPr>
-          <p:cNvPr id="4" name="Заголовок 3"/>
+          <p:cNvPr id="2" name="Заголовок 1"/>
           <p:cNvSpPr>
             <a:spLocks noGrp="1"/>
           </p:cNvSpPr>
@@ -12892,15 +12749,16 @@
           <a:p>
             <a:r>
               <a:rPr lang="ru-RU" dirty="0"/>
-              <a:t>Дублеры для тестов</a:t>
-            </a:r>
+              <a:t>Немного классификации</a:t>
+            </a:r>
+            <a:endParaRPr lang="en-US" dirty="0"/>
           </a:p>
         </p:txBody>
       </p:sp>
     </p:spTree>
     <p:extLst>
       <p:ext uri="{BB962C8B-B14F-4D97-AF65-F5344CB8AC3E}">
-        <p14:creationId xmlns:p14="http://schemas.microsoft.com/office/powerpoint/2010/main" val="3265591269"/>
+        <p14:creationId xmlns:p14="http://schemas.microsoft.com/office/powerpoint/2010/main" val="2080463718"/>
       </p:ext>
     </p:extLst>
   </p:cSld>
@@ -12944,66 +12802,128 @@
           </a:bodyPr>
           <a:lstStyle/>
           <a:p>
+            <a:r>
+              <a:rPr lang="en-US" b="1" dirty="0"/>
+              <a:t>Test Double</a:t>
+            </a:r>
+            <a:r>
+              <a:rPr lang="ru-RU" b="1" dirty="0"/>
+              <a:t> (</a:t>
+            </a:r>
+            <a:r>
+              <a:rPr lang="en-US" b="1" dirty="0"/>
+              <a:t>by </a:t>
+            </a:r>
+            <a:r>
+              <a:rPr lang="en-US" b="1" dirty="0" err="1"/>
+              <a:t>Meszaros</a:t>
+            </a:r>
+            <a:r>
+              <a:rPr lang="en-US" b="1" dirty="0"/>
+              <a:t>)</a:t>
+            </a:r>
+            <a:endParaRPr lang="en-US" sz="2800" b="1" dirty="0"/>
+          </a:p>
+          <a:p>
+            <a:pPr marL="457200" indent="-457200" fontAlgn="ctr">
+              <a:buFont typeface="Arial" panose="020B0604020202020204" pitchFamily="34" charset="0"/>
+              <a:buChar char="•"/>
+            </a:pPr>
+            <a:r>
+              <a:rPr lang="en-US" sz="2800" dirty="0">
+                <a:solidFill>
+                  <a:schemeClr val="accent1"/>
+                </a:solidFill>
+              </a:rPr>
+              <a:t>Dummy</a:t>
+            </a:r>
+            <a:r>
+              <a:rPr lang="en-US" sz="2800" dirty="0"/>
+              <a:t> - </a:t>
+            </a:r>
+            <a:r>
+              <a:rPr lang="ru-RU" sz="2800" dirty="0"/>
+              <a:t>нужны, чтобы передать их по ссылке</a:t>
+            </a:r>
+            <a:endParaRPr lang="en-US" sz="2800" dirty="0"/>
+          </a:p>
+          <a:p>
+            <a:pPr marL="457200" indent="-457200" fontAlgn="ctr">
+              <a:buFont typeface="Arial" panose="020B0604020202020204" pitchFamily="34" charset="0"/>
+              <a:buChar char="•"/>
+            </a:pPr>
+            <a:r>
+              <a:rPr lang="en-US" sz="2800" dirty="0">
+                <a:solidFill>
+                  <a:schemeClr val="accent1"/>
+                </a:solidFill>
+              </a:rPr>
+              <a:t>Fake</a:t>
+            </a:r>
+            <a:r>
+              <a:rPr lang="en-US" sz="2800" dirty="0"/>
+              <a:t> – </a:t>
+            </a:r>
+            <a:r>
+              <a:rPr lang="ru-RU" sz="2800" dirty="0"/>
+              <a:t>альтернативная упрощенная реализация</a:t>
+            </a:r>
+            <a:endParaRPr lang="en-US" sz="2800" dirty="0"/>
+          </a:p>
+          <a:p>
+            <a:pPr marL="457200" indent="-457200" fontAlgn="ctr">
+              <a:buFont typeface="Arial" panose="020B0604020202020204" pitchFamily="34" charset="0"/>
+              <a:buChar char="•"/>
+            </a:pPr>
+            <a:r>
+              <a:rPr lang="en-US" sz="2800" dirty="0">
+                <a:solidFill>
+                  <a:schemeClr val="accent1"/>
+                </a:solidFill>
+              </a:rPr>
+              <a:t>Stub</a:t>
+            </a:r>
+            <a:r>
+              <a:rPr lang="en-US" sz="2800" dirty="0"/>
+              <a:t> - </a:t>
+            </a:r>
+            <a:r>
+              <a:rPr lang="ru-RU" sz="2800" dirty="0"/>
+              <a:t>простой объект с состоянием</a:t>
+            </a:r>
+            <a:endParaRPr lang="en-US" sz="2800" dirty="0"/>
+          </a:p>
+          <a:p>
+            <a:pPr marL="457200" indent="-457200" fontAlgn="ctr">
+              <a:buFont typeface="Arial" panose="020B0604020202020204" pitchFamily="34" charset="0"/>
+              <a:buChar char="•"/>
+            </a:pPr>
+            <a:r>
+              <a:rPr lang="en-US" sz="2800" dirty="0">
+                <a:solidFill>
+                  <a:schemeClr val="accent1"/>
+                </a:solidFill>
+              </a:rPr>
+              <a:t>Mock</a:t>
+            </a:r>
+            <a:r>
+              <a:rPr lang="en-US" sz="2800" dirty="0"/>
+              <a:t> - </a:t>
+            </a:r>
+            <a:r>
+              <a:rPr lang="ru-RU" sz="2800" dirty="0"/>
+              <a:t>объекты с конфигурируемыми </a:t>
+            </a:r>
+            <a:r>
+              <a:rPr lang="en-US" sz="2800" dirty="0"/>
+              <a:t>expectations</a:t>
+            </a:r>
+          </a:p>
+          <a:p>
             <a:pPr marL="0" indent="0">
               <a:buNone/>
             </a:pPr>
-            <a:r>
-              <a:rPr lang="en-US" sz="3600" dirty="0"/>
-              <a:t>State tests</a:t>
-            </a:r>
-          </a:p>
-          <a:p>
-            <a:pPr marL="0" indent="0" algn="ctr">
-              <a:buNone/>
-            </a:pPr>
-            <a:r>
-              <a:rPr lang="en-US" sz="3600" dirty="0"/>
-              <a:t>VS</a:t>
-            </a:r>
-          </a:p>
-          <a:p>
-            <a:pPr marL="0" indent="0" algn="r">
-              <a:buNone/>
-            </a:pPr>
-            <a:r>
-              <a:rPr lang="en-US" sz="3600" dirty="0"/>
-              <a:t>Behavior tests</a:t>
-            </a:r>
-            <a:endParaRPr lang="ru-RU" sz="3600" dirty="0"/>
-          </a:p>
-          <a:p>
-            <a:pPr marL="0" indent="0">
-              <a:buNone/>
-            </a:pPr>
-            <a:endParaRPr lang="en-US" sz="2400" dirty="0">
-              <a:hlinkClick r:id="rId2"/>
-            </a:endParaRPr>
-          </a:p>
-          <a:p>
-            <a:pPr marL="0" indent="0">
-              <a:buNone/>
-            </a:pPr>
-            <a:endParaRPr lang="ru-RU" sz="2400" dirty="0">
-              <a:hlinkClick r:id="rId2"/>
-            </a:endParaRPr>
-          </a:p>
-          <a:p>
-            <a:pPr marL="0" indent="0">
-              <a:buNone/>
-            </a:pPr>
-            <a:r>
-              <a:rPr lang="en-US" sz="2600" dirty="0">
-                <a:hlinkClick r:id="rId2"/>
-              </a:rPr>
-              <a:t>http://martinfowler.com/articles/mocksArentStubs.html</a:t>
-            </a:r>
-            <a:endParaRPr lang="en-US" sz="2600" dirty="0"/>
-          </a:p>
-          <a:p>
-            <a:pPr marL="0" indent="0">
-              <a:buNone/>
-            </a:pPr>
-            <a:endParaRPr lang="ru-RU" sz="2400" dirty="0"/>
+            <a:endParaRPr lang="ru-RU" sz="2000" dirty="0"/>
           </a:p>
         </p:txBody>
       </p:sp>
@@ -13024,6 +12944,199 @@
           <a:p>
             <a:r>
               <a:rPr lang="ru-RU" dirty="0"/>
+              <a:t>Дублеры для тестов</a:t>
+            </a:r>
+          </a:p>
+        </p:txBody>
+      </p:sp>
+      <p:sp>
+        <p:nvSpPr>
+          <p:cNvPr id="6" name="TextBox 5"/>
+          <p:cNvSpPr txBox="1"/>
+          <p:nvPr/>
+        </p:nvSpPr>
+        <p:spPr>
+          <a:xfrm rot="20880000">
+            <a:off x="7406291" y="4905359"/>
+            <a:ext cx="3257623" cy="954107"/>
+          </a:xfrm>
+          <a:prstGeom prst="rect">
+            <a:avLst/>
+          </a:prstGeom>
+          <a:noFill/>
+        </p:spPr>
+        <p:txBody>
+          <a:bodyPr wrap="none" rtlCol="0">
+            <a:spAutoFit/>
+          </a:bodyPr>
+          <a:lstStyle/>
+          <a:p>
+            <a:pPr algn="ctr"/>
+            <a:r>
+              <a:rPr lang="ru-RU" sz="2800" i="1" dirty="0">
+                <a:solidFill>
+                  <a:schemeClr val="accent1"/>
+                </a:solidFill>
+              </a:rPr>
+              <a:t>Не запаривайтесь</a:t>
+            </a:r>
+            <a:br>
+              <a:rPr lang="ru-RU" sz="2800" i="1" dirty="0">
+                <a:solidFill>
+                  <a:schemeClr val="accent1"/>
+                </a:solidFill>
+              </a:rPr>
+            </a:br>
+            <a:r>
+              <a:rPr lang="ru-RU" sz="2800" i="1" dirty="0">
+                <a:solidFill>
+                  <a:schemeClr val="accent1"/>
+                </a:solidFill>
+              </a:rPr>
+              <a:t>на запоминании</a:t>
+            </a:r>
+          </a:p>
+        </p:txBody>
+      </p:sp>
+    </p:spTree>
+    <p:extLst>
+      <p:ext uri="{BB962C8B-B14F-4D97-AF65-F5344CB8AC3E}">
+        <p14:creationId xmlns:p14="http://schemas.microsoft.com/office/powerpoint/2010/main" val="3265591269"/>
+      </p:ext>
+    </p:extLst>
+  </p:cSld>
+  <p:clrMapOvr>
+    <a:masterClrMapping/>
+  </p:clrMapOvr>
+</p:sld>
+</file>
+
+<file path=ppt/slides/slide14.xml><?xml version="1.0" encoding="utf-8"?>
+<p:sld xmlns:a="http://schemas.openxmlformats.org/drawingml/2006/main" xmlns:r="http://schemas.openxmlformats.org/officeDocument/2006/relationships" xmlns:p="http://schemas.openxmlformats.org/presentationml/2006/main">
+  <p:cSld>
+    <p:spTree>
+      <p:nvGrpSpPr>
+        <p:cNvPr id="1" name=""/>
+        <p:cNvGrpSpPr/>
+        <p:nvPr/>
+      </p:nvGrpSpPr>
+      <p:grpSpPr>
+        <a:xfrm>
+          <a:off x="0" y="0"/>
+          <a:ext cx="0" cy="0"/>
+          <a:chOff x="0" y="0"/>
+          <a:chExt cx="0" cy="0"/>
+        </a:xfrm>
+      </p:grpSpPr>
+      <p:sp>
+        <p:nvSpPr>
+          <p:cNvPr id="5" name="Объект 4"/>
+          <p:cNvSpPr>
+            <a:spLocks noGrp="1"/>
+          </p:cNvSpPr>
+          <p:nvPr>
+            <p:ph sz="quarter" idx="13"/>
+          </p:nvPr>
+        </p:nvSpPr>
+        <p:spPr/>
+        <p:txBody>
+          <a:bodyPr>
+            <a:normAutofit/>
+          </a:bodyPr>
+          <a:lstStyle/>
+          <a:p>
+            <a:pPr marL="0" indent="0">
+              <a:buNone/>
+            </a:pPr>
+            <a:r>
+              <a:rPr lang="en-US" sz="3600" dirty="0">
+                <a:solidFill>
+                  <a:schemeClr val="accent1"/>
+                </a:solidFill>
+              </a:rPr>
+              <a:t>State tests</a:t>
+            </a:r>
+          </a:p>
+          <a:p>
+            <a:pPr marL="0" indent="0" algn="ctr">
+              <a:buNone/>
+            </a:pPr>
+            <a:r>
+              <a:rPr lang="en-US" sz="3600" dirty="0"/>
+              <a:t>VS</a:t>
+            </a:r>
+          </a:p>
+          <a:p>
+            <a:pPr marL="0" indent="0" algn="r">
+              <a:buNone/>
+            </a:pPr>
+            <a:r>
+              <a:rPr lang="en-US" sz="3600" dirty="0">
+                <a:solidFill>
+                  <a:schemeClr val="accent1"/>
+                </a:solidFill>
+              </a:rPr>
+              <a:t>Behavior tests</a:t>
+            </a:r>
+            <a:endParaRPr lang="ru-RU" sz="3600" dirty="0">
+              <a:solidFill>
+                <a:schemeClr val="accent1"/>
+              </a:solidFill>
+            </a:endParaRPr>
+          </a:p>
+          <a:p>
+            <a:pPr marL="0" indent="0">
+              <a:buNone/>
+            </a:pPr>
+            <a:endParaRPr lang="en-US" sz="2400" dirty="0">
+              <a:hlinkClick r:id="rId2"/>
+            </a:endParaRPr>
+          </a:p>
+          <a:p>
+            <a:pPr marL="0" indent="0">
+              <a:buNone/>
+            </a:pPr>
+            <a:endParaRPr lang="ru-RU" sz="2400" dirty="0">
+              <a:hlinkClick r:id="rId2"/>
+            </a:endParaRPr>
+          </a:p>
+          <a:p>
+            <a:pPr marL="0" indent="0">
+              <a:buNone/>
+            </a:pPr>
+            <a:r>
+              <a:rPr lang="en-US" sz="2600" dirty="0">
+                <a:hlinkClick r:id="rId2"/>
+              </a:rPr>
+              <a:t>http://martinfowler.com/articles/mocksArentStubs.html</a:t>
+            </a:r>
+            <a:endParaRPr lang="en-US" sz="2600" dirty="0"/>
+          </a:p>
+          <a:p>
+            <a:pPr marL="0" indent="0">
+              <a:buNone/>
+            </a:pPr>
+            <a:endParaRPr lang="ru-RU" sz="2400" dirty="0"/>
+          </a:p>
+        </p:txBody>
+      </p:sp>
+      <p:sp>
+        <p:nvSpPr>
+          <p:cNvPr id="4" name="Заголовок 3"/>
+          <p:cNvSpPr>
+            <a:spLocks noGrp="1"/>
+          </p:cNvSpPr>
+          <p:nvPr>
+            <p:ph type="title"/>
+          </p:nvPr>
+        </p:nvSpPr>
+        <p:spPr/>
+        <p:txBody>
+          <a:bodyPr/>
+          <a:lstStyle/>
+          <a:p>
+            <a:r>
+              <a:rPr lang="ru-RU" dirty="0"/>
               <a:t>Подходы к тестированию</a:t>
             </a:r>
           </a:p>
@@ -13042,7 +13155,7 @@
 </p:sld>
 </file>
 
-<file path=ppt/slides/slide14.xml><?xml version="1.0" encoding="utf-8"?>
+<file path=ppt/slides/slide15.xml><?xml version="1.0" encoding="utf-8"?>
 <p:sld xmlns:a="http://schemas.openxmlformats.org/drawingml/2006/main" xmlns:r="http://schemas.openxmlformats.org/officeDocument/2006/relationships" xmlns:p="http://schemas.openxmlformats.org/presentationml/2006/main">
   <p:cSld>
     <p:spTree>
